--- a/figures/DetailedOverview.pptx
+++ b/figures/DetailedOverview.pptx
@@ -288,7 +288,7 @@
           <a:p>
             <a:fld id="{CBF92DAA-A64E-4ACD-AA8B-388929745585}" type="datetimeFigureOut">
               <a:rPr lang="en-US" smtClean="0"/>
-              <a:t>2/3/2014</a:t>
+              <a:t>2/6/2014</a:t>
             </a:fld>
             <a:endParaRPr lang="en-US"/>
           </a:p>
@@ -458,7 +458,7 @@
           <a:p>
             <a:fld id="{CBF92DAA-A64E-4ACD-AA8B-388929745585}" type="datetimeFigureOut">
               <a:rPr lang="en-US" smtClean="0"/>
-              <a:t>2/3/2014</a:t>
+              <a:t>2/6/2014</a:t>
             </a:fld>
             <a:endParaRPr lang="en-US"/>
           </a:p>
@@ -638,7 +638,7 @@
           <a:p>
             <a:fld id="{CBF92DAA-A64E-4ACD-AA8B-388929745585}" type="datetimeFigureOut">
               <a:rPr lang="en-US" smtClean="0"/>
-              <a:t>2/3/2014</a:t>
+              <a:t>2/6/2014</a:t>
             </a:fld>
             <a:endParaRPr lang="en-US"/>
           </a:p>
@@ -808,7 +808,7 @@
           <a:p>
             <a:fld id="{CBF92DAA-A64E-4ACD-AA8B-388929745585}" type="datetimeFigureOut">
               <a:rPr lang="en-US" smtClean="0"/>
-              <a:t>2/3/2014</a:t>
+              <a:t>2/6/2014</a:t>
             </a:fld>
             <a:endParaRPr lang="en-US"/>
           </a:p>
@@ -1054,7 +1054,7 @@
           <a:p>
             <a:fld id="{CBF92DAA-A64E-4ACD-AA8B-388929745585}" type="datetimeFigureOut">
               <a:rPr lang="en-US" smtClean="0"/>
-              <a:t>2/3/2014</a:t>
+              <a:t>2/6/2014</a:t>
             </a:fld>
             <a:endParaRPr lang="en-US"/>
           </a:p>
@@ -1342,7 +1342,7 @@
           <a:p>
             <a:fld id="{CBF92DAA-A64E-4ACD-AA8B-388929745585}" type="datetimeFigureOut">
               <a:rPr lang="en-US" smtClean="0"/>
-              <a:t>2/3/2014</a:t>
+              <a:t>2/6/2014</a:t>
             </a:fld>
             <a:endParaRPr lang="en-US"/>
           </a:p>
@@ -1764,7 +1764,7 @@
           <a:p>
             <a:fld id="{CBF92DAA-A64E-4ACD-AA8B-388929745585}" type="datetimeFigureOut">
               <a:rPr lang="en-US" smtClean="0"/>
-              <a:t>2/3/2014</a:t>
+              <a:t>2/6/2014</a:t>
             </a:fld>
             <a:endParaRPr lang="en-US"/>
           </a:p>
@@ -1882,7 +1882,7 @@
           <a:p>
             <a:fld id="{CBF92DAA-A64E-4ACD-AA8B-388929745585}" type="datetimeFigureOut">
               <a:rPr lang="en-US" smtClean="0"/>
-              <a:t>2/3/2014</a:t>
+              <a:t>2/6/2014</a:t>
             </a:fld>
             <a:endParaRPr lang="en-US"/>
           </a:p>
@@ -1977,7 +1977,7 @@
           <a:p>
             <a:fld id="{CBF92DAA-A64E-4ACD-AA8B-388929745585}" type="datetimeFigureOut">
               <a:rPr lang="en-US" smtClean="0"/>
-              <a:t>2/3/2014</a:t>
+              <a:t>2/6/2014</a:t>
             </a:fld>
             <a:endParaRPr lang="en-US"/>
           </a:p>
@@ -2254,7 +2254,7 @@
           <a:p>
             <a:fld id="{CBF92DAA-A64E-4ACD-AA8B-388929745585}" type="datetimeFigureOut">
               <a:rPr lang="en-US" smtClean="0"/>
-              <a:t>2/3/2014</a:t>
+              <a:t>2/6/2014</a:t>
             </a:fld>
             <a:endParaRPr lang="en-US"/>
           </a:p>
@@ -2507,7 +2507,7 @@
           <a:p>
             <a:fld id="{CBF92DAA-A64E-4ACD-AA8B-388929745585}" type="datetimeFigureOut">
               <a:rPr lang="en-US" smtClean="0"/>
-              <a:t>2/3/2014</a:t>
+              <a:t>2/6/2014</a:t>
             </a:fld>
             <a:endParaRPr lang="en-US"/>
           </a:p>
@@ -2720,7 +2720,7 @@
           <a:p>
             <a:fld id="{CBF92DAA-A64E-4ACD-AA8B-388929745585}" type="datetimeFigureOut">
               <a:rPr lang="en-US" smtClean="0"/>
-              <a:t>2/3/2014</a:t>
+              <a:t>2/6/2014</a:t>
             </a:fld>
             <a:endParaRPr lang="en-US"/>
           </a:p>
@@ -3693,11 +3693,11 @@
             <a:pPr algn="ctr"/>
             <a:r>
               <a:rPr lang="en-US" sz="800" dirty="0" err="1" smtClean="0"/>
-              <a:t>hubo</a:t>
-            </a:r>
-            <a:r>
-              <a:rPr lang="en-US" sz="800" dirty="0" smtClean="0"/>
-              <a:t>-daemon</a:t>
+              <a:t>Hubo</a:t>
+            </a:r>
+            <a:r>
+              <a:rPr lang="en-US" sz="800" smtClean="0"/>
+              <a:t>-Ach</a:t>
             </a:r>
             <a:endParaRPr lang="en-US" sz="800" dirty="0"/>
           </a:p>
@@ -3740,11 +3740,11 @@
             <a:pPr algn="ctr"/>
             <a:r>
               <a:rPr lang="en-US" sz="800" dirty="0" err="1" smtClean="0"/>
-              <a:t>hubo</a:t>
+              <a:t>Hubo</a:t>
             </a:r>
             <a:r>
               <a:rPr lang="en-US" sz="800" dirty="0" smtClean="0"/>
-              <a:t>-daemon</a:t>
+              <a:t>-Ach</a:t>
             </a:r>
             <a:endParaRPr lang="en-US" sz="800" dirty="0"/>
           </a:p>
@@ -4427,11 +4427,7 @@
             <a:pPr algn="ctr"/>
             <a:r>
               <a:rPr lang="en-US" sz="800" dirty="0" smtClean="0"/>
-              <a:t>Client </a:t>
-            </a:r>
-            <a:r>
-              <a:rPr lang="en-US" sz="800" dirty="0" smtClean="0"/>
-              <a:t>1</a:t>
+              <a:t>Client 1</a:t>
             </a:r>
             <a:endParaRPr lang="en-US" sz="800" dirty="0"/>
           </a:p>
@@ -4619,11 +4615,7 @@
               <a:pPr algn="ctr"/>
               <a:r>
                 <a:rPr lang="en-US" sz="800" dirty="0" smtClean="0"/>
-                <a:t>Client </a:t>
-              </a:r>
-              <a:r>
-                <a:rPr lang="en-US" sz="800" dirty="0" smtClean="0"/>
-                <a:t>1</a:t>
+                <a:t>Client 1</a:t>
               </a:r>
               <a:endParaRPr lang="en-US" sz="800" dirty="0"/>
             </a:p>
